--- a/Doc/Homepage Description.pptx
+++ b/Doc/Homepage Description.pptx
@@ -1318,358 +1318,6 @@
       <dsp:cNvGrpSpPr/>
     </dsp:nvGrpSpPr>
     <dsp:grpSpPr/>
-    <dsp:sp modelId="{02845C18-617E-4B4F-B73B-4C971435E2F3}">
-      <dsp:nvSpPr>
-        <dsp:cNvPr id="0" name=""/>
-        <dsp:cNvSpPr/>
-      </dsp:nvSpPr>
-      <dsp:spPr>
-        <a:xfrm>
-          <a:off x="0" y="61169"/>
-          <a:ext cx="4845333" cy="352169"/>
-        </a:xfrm>
-        <a:prstGeom prst="roundRect">
-          <a:avLst/>
-        </a:prstGeom>
-        <a:solidFill>
-          <a:schemeClr val="accent1">
-            <a:hueOff val="0"/>
-            <a:satOff val="0"/>
-            <a:lumOff val="0"/>
-            <a:alphaOff val="0"/>
-          </a:schemeClr>
-        </a:solidFill>
-        <a:ln w="25400" cap="flat" cmpd="sng" algn="ctr">
-          <a:solidFill>
-            <a:schemeClr val="lt1">
-              <a:hueOff val="0"/>
-              <a:satOff val="0"/>
-              <a:lumOff val="0"/>
-              <a:alphaOff val="0"/>
-            </a:schemeClr>
-          </a:solidFill>
-          <a:prstDash val="solid"/>
-        </a:ln>
-        <a:effectLst/>
-      </dsp:spPr>
-      <dsp:style>
-        <a:lnRef idx="2">
-          <a:scrgbClr r="0" g="0" b="0"/>
-        </a:lnRef>
-        <a:fillRef idx="1">
-          <a:scrgbClr r="0" g="0" b="0"/>
-        </a:fillRef>
-        <a:effectRef idx="0">
-          <a:scrgbClr r="0" g="0" b="0"/>
-        </a:effectRef>
-        <a:fontRef idx="minor">
-          <a:schemeClr val="lt1"/>
-        </a:fontRef>
-      </dsp:style>
-      <dsp:txBody>
-        <a:bodyPr spcFirstLastPara="0" vert="horz" wrap="square" lIns="53340" tIns="53340" rIns="53340" bIns="53340" numCol="1" spcCol="1270" anchor="ctr" anchorCtr="0">
-          <a:noAutofit/>
-        </a:bodyPr>
-        <a:lstStyle/>
-        <a:p>
-          <a:pPr lvl="0" algn="l" defTabSz="622300">
-            <a:lnSpc>
-              <a:spcPct val="90000"/>
-            </a:lnSpc>
-            <a:spcBef>
-              <a:spcPct val="0"/>
-            </a:spcBef>
-            <a:spcAft>
-              <a:spcPct val="35000"/>
-            </a:spcAft>
-          </a:pPr>
-          <a:r>
-            <a:rPr lang="zh-CN" altLang="en-US" sz="1400" kern="1200" dirty="0" smtClean="0"/>
-            <a:t>优秀个人加盟</a:t>
-          </a:r>
-          <a:endParaRPr lang="zh-CN" altLang="en-US" sz="1400" kern="1200" dirty="0"/>
-        </a:p>
-      </dsp:txBody>
-      <dsp:txXfrm>
-        <a:off x="17191" y="78360"/>
-        <a:ext cx="4810951" cy="317787"/>
-      </dsp:txXfrm>
-    </dsp:sp>
-    <dsp:sp modelId="{646CF1CE-563D-4A86-8912-8A0A6E1C305A}">
-      <dsp:nvSpPr>
-        <dsp:cNvPr id="0" name=""/>
-        <dsp:cNvSpPr/>
-      </dsp:nvSpPr>
-      <dsp:spPr>
-        <a:xfrm>
-          <a:off x="0" y="413338"/>
-          <a:ext cx="4845333" cy="608580"/>
-        </a:xfrm>
-        <a:prstGeom prst="rect">
-          <a:avLst/>
-        </a:prstGeom>
-        <a:noFill/>
-        <a:ln>
-          <a:noFill/>
-        </a:ln>
-        <a:effectLst/>
-      </dsp:spPr>
-      <dsp:style>
-        <a:lnRef idx="0">
-          <a:scrgbClr r="0" g="0" b="0"/>
-        </a:lnRef>
-        <a:fillRef idx="0">
-          <a:scrgbClr r="0" g="0" b="0"/>
-        </a:fillRef>
-        <a:effectRef idx="0">
-          <a:scrgbClr r="0" g="0" b="0"/>
-        </a:effectRef>
-        <a:fontRef idx="minor"/>
-      </dsp:style>
-      <dsp:txBody>
-        <a:bodyPr spcFirstLastPara="0" vert="horz" wrap="square" lIns="153839" tIns="17780" rIns="99568" bIns="17780" numCol="1" spcCol="1270" anchor="t" anchorCtr="0">
-          <a:noAutofit/>
-        </a:bodyPr>
-        <a:lstStyle/>
-        <a:p>
-          <a:pPr marL="57150" lvl="1" indent="-57150" algn="l" defTabSz="488950">
-            <a:lnSpc>
-              <a:spcPct val="90000"/>
-            </a:lnSpc>
-            <a:spcBef>
-              <a:spcPct val="0"/>
-            </a:spcBef>
-            <a:spcAft>
-              <a:spcPct val="20000"/>
-            </a:spcAft>
-            <a:buChar char="••"/>
-          </a:pPr>
-          <a:r>
-            <a:rPr lang="zh-CN" altLang="en-US" sz="1100" kern="1200" dirty="0" smtClean="0"/>
-            <a:t>个人简历</a:t>
-          </a:r>
-          <a:endParaRPr lang="zh-CN" altLang="en-US" sz="1100" kern="1200" dirty="0"/>
-        </a:p>
-        <a:p>
-          <a:pPr marL="57150" lvl="1" indent="-57150" algn="l" defTabSz="488950">
-            <a:lnSpc>
-              <a:spcPct val="90000"/>
-            </a:lnSpc>
-            <a:spcBef>
-              <a:spcPct val="0"/>
-            </a:spcBef>
-            <a:spcAft>
-              <a:spcPct val="20000"/>
-            </a:spcAft>
-            <a:buChar char="••"/>
-          </a:pPr>
-          <a:r>
-            <a:rPr lang="zh-CN" altLang="en-US" sz="1100" kern="1200" dirty="0" smtClean="0"/>
-            <a:t>你的项目经验</a:t>
-          </a:r>
-          <a:endParaRPr lang="zh-CN" altLang="en-US" sz="1100" kern="1200" dirty="0"/>
-        </a:p>
-        <a:p>
-          <a:pPr marL="57150" lvl="1" indent="-57150" algn="l" defTabSz="488950">
-            <a:lnSpc>
-              <a:spcPct val="90000"/>
-            </a:lnSpc>
-            <a:spcBef>
-              <a:spcPct val="0"/>
-            </a:spcBef>
-            <a:spcAft>
-              <a:spcPct val="20000"/>
-            </a:spcAft>
-            <a:buChar char="••"/>
-          </a:pPr>
-          <a:r>
-            <a:rPr lang="zh-CN" altLang="en-US" sz="1100" kern="1200" dirty="0" smtClean="0"/>
-            <a:t>联系我们</a:t>
-          </a:r>
-          <a:endParaRPr lang="zh-CN" altLang="en-US" sz="1100" kern="1200" dirty="0"/>
-        </a:p>
-      </dsp:txBody>
-      <dsp:txXfrm>
-        <a:off x="0" y="413338"/>
-        <a:ext cx="4845333" cy="608580"/>
-      </dsp:txXfrm>
-    </dsp:sp>
-    <dsp:sp modelId="{B5F8BD3C-6789-46D5-A652-794326775C85}">
-      <dsp:nvSpPr>
-        <dsp:cNvPr id="0" name=""/>
-        <dsp:cNvSpPr/>
-      </dsp:nvSpPr>
-      <dsp:spPr>
-        <a:xfrm>
-          <a:off x="0" y="1021919"/>
-          <a:ext cx="4845333" cy="352169"/>
-        </a:xfrm>
-        <a:prstGeom prst="roundRect">
-          <a:avLst/>
-        </a:prstGeom>
-        <a:solidFill>
-          <a:schemeClr val="accent1">
-            <a:hueOff val="0"/>
-            <a:satOff val="0"/>
-            <a:lumOff val="0"/>
-            <a:alphaOff val="0"/>
-          </a:schemeClr>
-        </a:solidFill>
-        <a:ln w="25400" cap="flat" cmpd="sng" algn="ctr">
-          <a:solidFill>
-            <a:schemeClr val="lt1">
-              <a:hueOff val="0"/>
-              <a:satOff val="0"/>
-              <a:lumOff val="0"/>
-              <a:alphaOff val="0"/>
-            </a:schemeClr>
-          </a:solidFill>
-          <a:prstDash val="solid"/>
-        </a:ln>
-        <a:effectLst/>
-      </dsp:spPr>
-      <dsp:style>
-        <a:lnRef idx="2">
-          <a:scrgbClr r="0" g="0" b="0"/>
-        </a:lnRef>
-        <a:fillRef idx="1">
-          <a:scrgbClr r="0" g="0" b="0"/>
-        </a:fillRef>
-        <a:effectRef idx="0">
-          <a:scrgbClr r="0" g="0" b="0"/>
-        </a:effectRef>
-        <a:fontRef idx="minor">
-          <a:schemeClr val="lt1"/>
-        </a:fontRef>
-      </dsp:style>
-      <dsp:txBody>
-        <a:bodyPr spcFirstLastPara="0" vert="horz" wrap="square" lIns="53340" tIns="53340" rIns="53340" bIns="53340" numCol="1" spcCol="1270" anchor="ctr" anchorCtr="0">
-          <a:noAutofit/>
-        </a:bodyPr>
-        <a:lstStyle/>
-        <a:p>
-          <a:pPr lvl="0" algn="l" defTabSz="622300">
-            <a:lnSpc>
-              <a:spcPct val="90000"/>
-            </a:lnSpc>
-            <a:spcBef>
-              <a:spcPct val="0"/>
-            </a:spcBef>
-            <a:spcAft>
-              <a:spcPct val="35000"/>
-            </a:spcAft>
-          </a:pPr>
-          <a:r>
-            <a:rPr lang="zh-CN" altLang="en-US" sz="1400" kern="1200" dirty="0" smtClean="0"/>
-            <a:t>优秀团队加盟</a:t>
-          </a:r>
-          <a:endParaRPr lang="zh-CN" altLang="en-US" sz="1400" kern="1200" dirty="0"/>
-        </a:p>
-      </dsp:txBody>
-      <dsp:txXfrm>
-        <a:off x="17191" y="1039110"/>
-        <a:ext cx="4810951" cy="317787"/>
-      </dsp:txXfrm>
-    </dsp:sp>
-    <dsp:sp modelId="{948558D0-D341-4F3C-AD63-6DDFFDB480EC}">
-      <dsp:nvSpPr>
-        <dsp:cNvPr id="0" name=""/>
-        <dsp:cNvSpPr/>
-      </dsp:nvSpPr>
-      <dsp:spPr>
-        <a:xfrm>
-          <a:off x="0" y="1374089"/>
-          <a:ext cx="4845333" cy="608580"/>
-        </a:xfrm>
-        <a:prstGeom prst="rect">
-          <a:avLst/>
-        </a:prstGeom>
-        <a:noFill/>
-        <a:ln>
-          <a:noFill/>
-        </a:ln>
-        <a:effectLst/>
-      </dsp:spPr>
-      <dsp:style>
-        <a:lnRef idx="0">
-          <a:scrgbClr r="0" g="0" b="0"/>
-        </a:lnRef>
-        <a:fillRef idx="0">
-          <a:scrgbClr r="0" g="0" b="0"/>
-        </a:fillRef>
-        <a:effectRef idx="0">
-          <a:scrgbClr r="0" g="0" b="0"/>
-        </a:effectRef>
-        <a:fontRef idx="minor"/>
-      </dsp:style>
-      <dsp:txBody>
-        <a:bodyPr spcFirstLastPara="0" vert="horz" wrap="square" lIns="153839" tIns="17780" rIns="99568" bIns="17780" numCol="1" spcCol="1270" anchor="t" anchorCtr="0">
-          <a:noAutofit/>
-        </a:bodyPr>
-        <a:lstStyle/>
-        <a:p>
-          <a:pPr marL="57150" lvl="1" indent="-57150" algn="l" defTabSz="488950">
-            <a:lnSpc>
-              <a:spcPct val="90000"/>
-            </a:lnSpc>
-            <a:spcBef>
-              <a:spcPct val="0"/>
-            </a:spcBef>
-            <a:spcAft>
-              <a:spcPct val="20000"/>
-            </a:spcAft>
-            <a:buChar char="••"/>
-          </a:pPr>
-          <a:r>
-            <a:rPr lang="zh-CN" altLang="en-US" sz="1100" kern="1200" dirty="0" smtClean="0"/>
-            <a:t>团队简介</a:t>
-          </a:r>
-          <a:endParaRPr lang="zh-CN" altLang="en-US" sz="1100" kern="1200" dirty="0"/>
-        </a:p>
-        <a:p>
-          <a:pPr marL="57150" lvl="1" indent="-57150" algn="l" defTabSz="488950">
-            <a:lnSpc>
-              <a:spcPct val="90000"/>
-            </a:lnSpc>
-            <a:spcBef>
-              <a:spcPct val="0"/>
-            </a:spcBef>
-            <a:spcAft>
-              <a:spcPct val="20000"/>
-            </a:spcAft>
-            <a:buChar char="••"/>
-          </a:pPr>
-          <a:r>
-            <a:rPr lang="zh-CN" altLang="en-US" sz="1100" kern="1200" dirty="0" smtClean="0"/>
-            <a:t>团队项目经验</a:t>
-          </a:r>
-          <a:endParaRPr lang="zh-CN" altLang="en-US" sz="1100" kern="1200" dirty="0"/>
-        </a:p>
-        <a:p>
-          <a:pPr marL="57150" lvl="1" indent="-57150" algn="l" defTabSz="488950">
-            <a:lnSpc>
-              <a:spcPct val="90000"/>
-            </a:lnSpc>
-            <a:spcBef>
-              <a:spcPct val="0"/>
-            </a:spcBef>
-            <a:spcAft>
-              <a:spcPct val="20000"/>
-            </a:spcAft>
-            <a:buChar char="••"/>
-          </a:pPr>
-          <a:r>
-            <a:rPr lang="zh-CN" altLang="en-US" sz="1100" kern="1200" dirty="0" smtClean="0"/>
-            <a:t>联系我们</a:t>
-          </a:r>
-          <a:endParaRPr lang="zh-CN" altLang="en-US" sz="1100" kern="1200" dirty="0"/>
-        </a:p>
-      </dsp:txBody>
-      <dsp:txXfrm>
-        <a:off x="0" y="1374089"/>
-        <a:ext cx="4845333" cy="608580"/>
-      </dsp:txXfrm>
-    </dsp:sp>
   </dsp:spTree>
 </dsp:drawing>
 </file>
@@ -2957,7 +2605,7 @@
           <a:p>
             <a:fld id="{187BF7A6-85EA-4273-BCC9-3BC3C977303F}" type="datetimeFigureOut">
               <a:rPr lang="zh-CN" altLang="en-US" smtClean="0"/>
-              <a:t>2015/4/3</a:t>
+              <a:t>2015/4/16</a:t>
             </a:fld>
             <a:endParaRPr lang="zh-CN" altLang="en-US"/>
           </a:p>
@@ -3490,7 +3138,7 @@
           <a:p>
             <a:fld id="{B9A529D6-95A2-41C0-B105-74C0E91BF53B}" type="datetimeFigureOut">
               <a:rPr lang="zh-CN" altLang="en-US" smtClean="0"/>
-              <a:t>2015/4/3</a:t>
+              <a:t>2015/4/16</a:t>
             </a:fld>
             <a:endParaRPr lang="zh-CN" altLang="en-US"/>
           </a:p>
@@ -3660,7 +3308,7 @@
           <a:p>
             <a:fld id="{B9A529D6-95A2-41C0-B105-74C0E91BF53B}" type="datetimeFigureOut">
               <a:rPr lang="zh-CN" altLang="en-US" smtClean="0"/>
-              <a:t>2015/4/3</a:t>
+              <a:t>2015/4/16</a:t>
             </a:fld>
             <a:endParaRPr lang="zh-CN" altLang="en-US"/>
           </a:p>
@@ -3840,7 +3488,7 @@
           <a:p>
             <a:fld id="{B9A529D6-95A2-41C0-B105-74C0E91BF53B}" type="datetimeFigureOut">
               <a:rPr lang="zh-CN" altLang="en-US" smtClean="0"/>
-              <a:t>2015/4/3</a:t>
+              <a:t>2015/4/16</a:t>
             </a:fld>
             <a:endParaRPr lang="zh-CN" altLang="en-US"/>
           </a:p>
@@ -4010,7 +3658,7 @@
           <a:p>
             <a:fld id="{B9A529D6-95A2-41C0-B105-74C0E91BF53B}" type="datetimeFigureOut">
               <a:rPr lang="zh-CN" altLang="en-US" smtClean="0"/>
-              <a:t>2015/4/3</a:t>
+              <a:t>2015/4/16</a:t>
             </a:fld>
             <a:endParaRPr lang="zh-CN" altLang="en-US"/>
           </a:p>
@@ -4256,7 +3904,7 @@
           <a:p>
             <a:fld id="{B9A529D6-95A2-41C0-B105-74C0E91BF53B}" type="datetimeFigureOut">
               <a:rPr lang="zh-CN" altLang="en-US" smtClean="0"/>
-              <a:t>2015/4/3</a:t>
+              <a:t>2015/4/16</a:t>
             </a:fld>
             <a:endParaRPr lang="zh-CN" altLang="en-US"/>
           </a:p>
@@ -4544,7 +4192,7 @@
           <a:p>
             <a:fld id="{B9A529D6-95A2-41C0-B105-74C0E91BF53B}" type="datetimeFigureOut">
               <a:rPr lang="zh-CN" altLang="en-US" smtClean="0"/>
-              <a:t>2015/4/3</a:t>
+              <a:t>2015/4/16</a:t>
             </a:fld>
             <a:endParaRPr lang="zh-CN" altLang="en-US"/>
           </a:p>
@@ -4966,7 +4614,7 @@
           <a:p>
             <a:fld id="{B9A529D6-95A2-41C0-B105-74C0E91BF53B}" type="datetimeFigureOut">
               <a:rPr lang="zh-CN" altLang="en-US" smtClean="0"/>
-              <a:t>2015/4/3</a:t>
+              <a:t>2015/4/16</a:t>
             </a:fld>
             <a:endParaRPr lang="zh-CN" altLang="en-US"/>
           </a:p>
@@ -5084,7 +4732,7 @@
           <a:p>
             <a:fld id="{B9A529D6-95A2-41C0-B105-74C0E91BF53B}" type="datetimeFigureOut">
               <a:rPr lang="zh-CN" altLang="en-US" smtClean="0"/>
-              <a:t>2015/4/3</a:t>
+              <a:t>2015/4/16</a:t>
             </a:fld>
             <a:endParaRPr lang="zh-CN" altLang="en-US"/>
           </a:p>
@@ -5179,7 +4827,7 @@
           <a:p>
             <a:fld id="{B9A529D6-95A2-41C0-B105-74C0E91BF53B}" type="datetimeFigureOut">
               <a:rPr lang="zh-CN" altLang="en-US" smtClean="0"/>
-              <a:t>2015/4/3</a:t>
+              <a:t>2015/4/16</a:t>
             </a:fld>
             <a:endParaRPr lang="zh-CN" altLang="en-US"/>
           </a:p>
@@ -5456,7 +5104,7 @@
           <a:p>
             <a:fld id="{B9A529D6-95A2-41C0-B105-74C0E91BF53B}" type="datetimeFigureOut">
               <a:rPr lang="zh-CN" altLang="en-US" smtClean="0"/>
-              <a:t>2015/4/3</a:t>
+              <a:t>2015/4/16</a:t>
             </a:fld>
             <a:endParaRPr lang="zh-CN" altLang="en-US"/>
           </a:p>
@@ -5709,7 +5357,7 @@
           <a:p>
             <a:fld id="{B9A529D6-95A2-41C0-B105-74C0E91BF53B}" type="datetimeFigureOut">
               <a:rPr lang="zh-CN" altLang="en-US" smtClean="0"/>
-              <a:t>2015/4/3</a:t>
+              <a:t>2015/4/16</a:t>
             </a:fld>
             <a:endParaRPr lang="zh-CN" altLang="en-US"/>
           </a:p>
@@ -5922,7 +5570,7 @@
           <a:p>
             <a:fld id="{B9A529D6-95A2-41C0-B105-74C0E91BF53B}" type="datetimeFigureOut">
               <a:rPr lang="zh-CN" altLang="en-US" smtClean="0"/>
-              <a:t>2015/4/3</a:t>
+              <a:t>2015/4/16</a:t>
             </a:fld>
             <a:endParaRPr lang="zh-CN" altLang="en-US"/>
           </a:p>
@@ -9237,198 +8885,6 @@
           <a:chExt cx="0" cy="0"/>
         </a:xfrm>
       </p:grpSpPr>
-      <p:pic>
-        <p:nvPicPr>
-          <p:cNvPr id="2050" name="Picture 2"/>
-          <p:cNvPicPr>
-            <a:picLocks noChangeAspect="1" noChangeArrowheads="1"/>
-          </p:cNvPicPr>
-          <p:nvPr/>
-        </p:nvPicPr>
-        <p:blipFill>
-          <a:blip r:embed="rId2">
-            <a:extLst>
-              <a:ext uri="{28A0092B-C50C-407E-A947-70E740481C1C}">
-                <a14:useLocalDpi xmlns:a14="http://schemas.microsoft.com/office/drawing/2010/main" val="0"/>
-              </a:ext>
-            </a:extLst>
-          </a:blip>
-          <a:srcRect/>
-          <a:stretch>
-            <a:fillRect/>
-          </a:stretch>
-        </p:blipFill>
-        <p:spPr bwMode="auto">
-          <a:xfrm>
-            <a:off x="-1980728" y="229399"/>
-            <a:ext cx="12820650" cy="6324600"/>
-          </a:xfrm>
-          <a:prstGeom prst="rect">
-            <a:avLst/>
-          </a:prstGeom>
-          <a:noFill/>
-          <a:ln>
-            <a:noFill/>
-          </a:ln>
-          <a:effectLst/>
-          <a:extLst>
-            <a:ext uri="{909E8E84-426E-40DD-AFC4-6F175D3DCCD1}">
-              <a14:hiddenFill xmlns:a14="http://schemas.microsoft.com/office/drawing/2010/main">
-                <a:solidFill>
-                  <a:schemeClr val="accent1"/>
-                </a:solidFill>
-              </a14:hiddenFill>
-            </a:ext>
-            <a:ext uri="{91240B29-F687-4F45-9708-019B960494DF}">
-              <a14:hiddenLine xmlns:a14="http://schemas.microsoft.com/office/drawing/2010/main" w="9525">
-                <a:solidFill>
-                  <a:schemeClr val="tx1"/>
-                </a:solidFill>
-                <a:miter lim="800000"/>
-                <a:headEnd/>
-                <a:tailEnd/>
-              </a14:hiddenLine>
-            </a:ext>
-            <a:ext uri="{AF507438-7753-43E0-B8FC-AC1667EBCBE1}">
-              <a14:hiddenEffects xmlns:a14="http://schemas.microsoft.com/office/drawing/2010/main">
-                <a:effectLst>
-                  <a:outerShdw dist="35921" dir="2700000" algn="ctr" rotWithShape="0">
-                    <a:schemeClr val="bg2"/>
-                  </a:outerShdw>
-                </a:effectLst>
-              </a14:hiddenEffects>
-            </a:ext>
-          </a:extLst>
-        </p:spPr>
-      </p:pic>
-      <p:pic>
-        <p:nvPicPr>
-          <p:cNvPr id="3" name="Picture 2"/>
-          <p:cNvPicPr>
-            <a:picLocks noChangeAspect="1" noChangeArrowheads="1"/>
-          </p:cNvPicPr>
-          <p:nvPr/>
-        </p:nvPicPr>
-        <p:blipFill>
-          <a:blip r:embed="rId3">
-            <a:extLst>
-              <a:ext uri="{28A0092B-C50C-407E-A947-70E740481C1C}">
-                <a14:useLocalDpi xmlns:a14="http://schemas.microsoft.com/office/drawing/2010/main" val="0"/>
-              </a:ext>
-            </a:extLst>
-          </a:blip>
-          <a:srcRect/>
-          <a:stretch>
-            <a:fillRect/>
-          </a:stretch>
-        </p:blipFill>
-        <p:spPr bwMode="auto">
-          <a:xfrm>
-            <a:off x="-1476672" y="722031"/>
-            <a:ext cx="1800200" cy="435532"/>
-          </a:xfrm>
-          <a:prstGeom prst="rect">
-            <a:avLst/>
-          </a:prstGeom>
-          <a:noFill/>
-          <a:ln>
-            <a:noFill/>
-          </a:ln>
-          <a:effectLst/>
-          <a:extLst>
-            <a:ext uri="{909E8E84-426E-40DD-AFC4-6F175D3DCCD1}">
-              <a14:hiddenFill xmlns:a14="http://schemas.microsoft.com/office/drawing/2010/main">
-                <a:solidFill>
-                  <a:schemeClr val="accent1"/>
-                </a:solidFill>
-              </a14:hiddenFill>
-            </a:ext>
-            <a:ext uri="{91240B29-F687-4F45-9708-019B960494DF}">
-              <a14:hiddenLine xmlns:a14="http://schemas.microsoft.com/office/drawing/2010/main" w="9525">
-                <a:solidFill>
-                  <a:schemeClr val="tx1"/>
-                </a:solidFill>
-                <a:miter lim="800000"/>
-                <a:headEnd/>
-                <a:tailEnd/>
-              </a14:hiddenLine>
-            </a:ext>
-            <a:ext uri="{AF507438-7753-43E0-B8FC-AC1667EBCBE1}">
-              <a14:hiddenEffects xmlns:a14="http://schemas.microsoft.com/office/drawing/2010/main">
-                <a:effectLst>
-                  <a:outerShdw dist="35921" dir="2700000" algn="ctr" rotWithShape="0">
-                    <a:schemeClr val="bg2"/>
-                  </a:outerShdw>
-                </a:effectLst>
-              </a14:hiddenEffects>
-            </a:ext>
-          </a:extLst>
-        </p:spPr>
-      </p:pic>
-      <p:pic>
-        <p:nvPicPr>
-          <p:cNvPr id="2051" name="Picture 3"/>
-          <p:cNvPicPr>
-            <a:picLocks noChangeAspect="1" noChangeArrowheads="1"/>
-          </p:cNvPicPr>
-          <p:nvPr/>
-        </p:nvPicPr>
-        <p:blipFill>
-          <a:blip r:embed="rId4">
-            <a:extLst>
-              <a:ext uri="{28A0092B-C50C-407E-A947-70E740481C1C}">
-                <a14:useLocalDpi xmlns:a14="http://schemas.microsoft.com/office/drawing/2010/main" val="0"/>
-              </a:ext>
-            </a:extLst>
-          </a:blip>
-          <a:srcRect/>
-          <a:stretch>
-            <a:fillRect/>
-          </a:stretch>
-        </p:blipFill>
-        <p:spPr bwMode="auto">
-          <a:xfrm>
-            <a:off x="588982" y="908069"/>
-            <a:ext cx="1008112" cy="160230"/>
-          </a:xfrm>
-          <a:prstGeom prst="rect">
-            <a:avLst/>
-          </a:prstGeom>
-          <a:noFill/>
-          <a:ln>
-            <a:noFill/>
-          </a:ln>
-          <a:effectLst/>
-          <a:extLst>
-            <a:ext uri="{909E8E84-426E-40DD-AFC4-6F175D3DCCD1}">
-              <a14:hiddenFill xmlns:a14="http://schemas.microsoft.com/office/drawing/2010/main">
-                <a:solidFill>
-                  <a:schemeClr val="accent1"/>
-                </a:solidFill>
-              </a14:hiddenFill>
-            </a:ext>
-            <a:ext uri="{91240B29-F687-4F45-9708-019B960494DF}">
-              <a14:hiddenLine xmlns:a14="http://schemas.microsoft.com/office/drawing/2010/main" w="9525">
-                <a:solidFill>
-                  <a:schemeClr val="tx1"/>
-                </a:solidFill>
-                <a:miter lim="800000"/>
-                <a:headEnd/>
-                <a:tailEnd/>
-              </a14:hiddenLine>
-            </a:ext>
-            <a:ext uri="{AF507438-7753-43E0-B8FC-AC1667EBCBE1}">
-              <a14:hiddenEffects xmlns:a14="http://schemas.microsoft.com/office/drawing/2010/main">
-                <a:effectLst>
-                  <a:outerShdw dist="35921" dir="2700000" algn="ctr" rotWithShape="0">
-                    <a:schemeClr val="bg2"/>
-                  </a:outerShdw>
-                </a:effectLst>
-              </a14:hiddenEffects>
-            </a:ext>
-          </a:extLst>
-        </p:spPr>
-      </p:pic>
       <p:sp>
         <p:nvSpPr>
           <p:cNvPr id="2" name="矩形 1"/>
@@ -9437,8 +8893,8 @@
         </p:nvSpPr>
         <p:spPr>
           <a:xfrm>
-            <a:off x="-1332656" y="2767481"/>
-            <a:ext cx="4248000" cy="2808000"/>
+            <a:off x="71736" y="4581128"/>
+            <a:ext cx="4248000" cy="2173688"/>
           </a:xfrm>
           <a:prstGeom prst="rect">
             <a:avLst/>
@@ -9497,15 +8953,23 @@
             </a:r>
             <a:r>
               <a:rPr lang="zh-CN" altLang="en-US" sz="1400" dirty="0" smtClean="0"/>
-              <a:t>外包服务提供商。分布于珠三角的</a:t>
+              <a:t>外包服务提供商</a:t>
+            </a:r>
+            <a:r>
+              <a:rPr lang="zh-CN" altLang="en-US" sz="1400" dirty="0" smtClean="0"/>
+              <a:t>。</a:t>
             </a:r>
             <a:r>
               <a:rPr lang="zh-CN" altLang="en-US" sz="1400" dirty="0"/>
-              <a:t>三</a:t>
+              <a:t>我</a:t>
             </a:r>
             <a:r>
               <a:rPr lang="zh-CN" altLang="en-US" sz="1400" dirty="0" smtClean="0"/>
-              <a:t>个专家团队，能为客户提供完整的行业解决方案、</a:t>
+              <a:t>们专注于为中小企业客户，提</a:t>
+            </a:r>
+            <a:r>
+              <a:rPr lang="zh-CN" altLang="en-US" sz="1400" dirty="0" smtClean="0"/>
+              <a:t>供完整的行业解决方案、</a:t>
             </a:r>
             <a:r>
               <a:rPr lang="en-US" altLang="zh-CN" sz="1400" dirty="0" smtClean="0"/>
@@ -9521,24 +8985,28 @@
             </a:r>
             <a:r>
               <a:rPr lang="zh-CN" altLang="en-US" sz="1400" dirty="0" smtClean="0"/>
-              <a:t>田时代，构筑辉煌未来！</a:t>
-            </a:r>
-            <a:endParaRPr lang="en-US" altLang="zh-CN" sz="1400" dirty="0"/>
-          </a:p>
-          <a:p>
-            <a:pPr>
-              <a:lnSpc>
-                <a:spcPct val="150000"/>
-              </a:lnSpc>
-            </a:pPr>
-            <a:endParaRPr lang="en-US" altLang="zh-CN" sz="1400" dirty="0" smtClean="0"/>
-          </a:p>
-          <a:p>
-            <a:pPr>
-              <a:lnSpc>
-                <a:spcPct val="150000"/>
-              </a:lnSpc>
-            </a:pPr>
+              <a:t>田时代，构</a:t>
+            </a:r>
+            <a:r>
+              <a:rPr lang="zh-CN" altLang="en-US" sz="1400" dirty="0" smtClean="0"/>
+              <a:t>筑</a:t>
+            </a:r>
+            <a:r>
+              <a:rPr lang="zh-CN" altLang="en-US" sz="1400" dirty="0"/>
+              <a:t>企业</a:t>
+            </a:r>
+            <a:r>
+              <a:rPr lang="zh-CN" altLang="en-US" sz="1400" dirty="0" smtClean="0"/>
+              <a:t>未</a:t>
+            </a:r>
+            <a:r>
+              <a:rPr lang="zh-CN" altLang="en-US" sz="1400" dirty="0" smtClean="0"/>
+              <a:t>来</a:t>
+            </a:r>
+            <a:r>
+              <a:rPr lang="zh-CN" altLang="en-US" sz="1400" dirty="0" smtClean="0"/>
+              <a:t>！</a:t>
+            </a:r>
             <a:endParaRPr lang="en-US" altLang="zh-CN" sz="1400" dirty="0"/>
           </a:p>
         </p:txBody>
@@ -9551,7 +9019,7 @@
         </p:nvSpPr>
         <p:spPr>
           <a:xfrm>
-            <a:off x="-1296888" y="1831377"/>
+            <a:off x="107504" y="3645024"/>
             <a:ext cx="4176464" cy="792088"/>
           </a:xfrm>
           <a:prstGeom prst="rect">
@@ -9627,114 +9095,50 @@
           </a:p>
         </p:txBody>
       </p:sp>
-      <p:grpSp>
-        <p:nvGrpSpPr>
-          <p:cNvPr id="7" name="组合 6"/>
-          <p:cNvGrpSpPr/>
-          <p:nvPr/>
-        </p:nvGrpSpPr>
-        <p:grpSpPr>
-          <a:xfrm>
-            <a:off x="8244408" y="4764974"/>
-            <a:ext cx="2448272" cy="1780562"/>
-            <a:chOff x="6156176" y="4643223"/>
-            <a:chExt cx="2448272" cy="1780562"/>
-          </a:xfrm>
-        </p:grpSpPr>
-        <p:pic>
-          <p:nvPicPr>
-            <p:cNvPr id="2055" name="Picture 7" descr="http://img1.100ye.com/img2/4/987/623/10481123/msgpic/51126741.gif"/>
-            <p:cNvPicPr>
-              <a:picLocks noChangeAspect="1" noChangeArrowheads="1"/>
-            </p:cNvPicPr>
-            <p:nvPr/>
-          </p:nvPicPr>
-          <p:blipFill>
-            <a:blip r:embed="rId5">
-              <a:extLst>
-                <a:ext uri="{28A0092B-C50C-407E-A947-70E740481C1C}">
-                  <a14:useLocalDpi xmlns:a14="http://schemas.microsoft.com/office/drawing/2010/main" val="0"/>
-                </a:ext>
-              </a:extLst>
-            </a:blip>
-            <a:srcRect/>
-            <a:stretch>
-              <a:fillRect/>
-            </a:stretch>
-          </p:blipFill>
-          <p:spPr bwMode="auto">
-            <a:xfrm>
-              <a:off x="6156176" y="4643223"/>
-              <a:ext cx="2448272" cy="1780562"/>
-            </a:xfrm>
-            <a:prstGeom prst="rect">
-              <a:avLst/>
-            </a:prstGeom>
-            <a:noFill/>
-            <a:extLst>
-              <a:ext uri="{909E8E84-426E-40DD-AFC4-6F175D3DCCD1}">
-                <a14:hiddenFill xmlns:a14="http://schemas.microsoft.com/office/drawing/2010/main">
-                  <a:solidFill>
-                    <a:srgbClr val="FFFFFF"/>
-                  </a:solidFill>
-                </a14:hiddenFill>
-              </a:ext>
-            </a:extLst>
-          </p:spPr>
-        </p:pic>
-        <p:sp>
-          <p:nvSpPr>
-            <p:cNvPr id="5" name="TextBox 4"/>
-            <p:cNvSpPr txBox="1"/>
-            <p:nvPr/>
-          </p:nvSpPr>
-          <p:spPr>
-            <a:xfrm>
-              <a:off x="6156176" y="6041913"/>
-              <a:ext cx="1107996" cy="369332"/>
-            </a:xfrm>
-            <a:prstGeom prst="rect">
-              <a:avLst/>
-            </a:prstGeom>
-            <a:noFill/>
-          </p:spPr>
-          <p:txBody>
-            <a:bodyPr wrap="none" rtlCol="0">
-              <a:spAutoFit/>
-            </a:bodyPr>
-            <a:lstStyle/>
-            <a:p>
-              <a:r>
-                <a:rPr lang="zh-CN" altLang="en-US" dirty="0" smtClean="0"/>
-                <a:t>在线咨询</a:t>
-              </a:r>
-              <a:endParaRPr lang="zh-CN" altLang="en-US" dirty="0"/>
-            </a:p>
-          </p:txBody>
-        </p:sp>
-      </p:grpSp>
-      <p:sp>
-        <p:nvSpPr>
-          <p:cNvPr id="9" name="矩形 8"/>
+      <p:pic>
+        <p:nvPicPr>
+          <p:cNvPr id="6" name="Picture 5"/>
+          <p:cNvPicPr>
+            <a:picLocks noChangeAspect="1"/>
+          </p:cNvPicPr>
+          <p:nvPr/>
+        </p:nvPicPr>
+        <p:blipFill>
+          <a:blip r:embed="rId2"/>
+          <a:stretch>
+            <a:fillRect/>
+          </a:stretch>
+        </p:blipFill>
+        <p:spPr>
+          <a:xfrm>
+            <a:off x="3203848" y="116632"/>
+            <a:ext cx="5495925" cy="552450"/>
+          </a:xfrm>
+          <a:prstGeom prst="rect">
+            <a:avLst/>
+          </a:prstGeom>
+        </p:spPr>
+      </p:pic>
+      <p:sp>
+        <p:nvSpPr>
+          <p:cNvPr id="8" name="Rounded Rectangle 7"/>
           <p:cNvSpPr/>
           <p:nvPr/>
         </p:nvSpPr>
         <p:spPr>
           <a:xfrm>
-            <a:off x="6241631" y="803827"/>
-            <a:ext cx="746975" cy="237578"/>
-          </a:xfrm>
-          <a:prstGeom prst="rect">
+            <a:off x="5796136" y="1408540"/>
+            <a:ext cx="1008112" cy="216024"/>
+          </a:xfrm>
+          <a:prstGeom prst="roundRect">
             <a:avLst/>
           </a:prstGeom>
           <a:solidFill>
-            <a:schemeClr val="bg1"/>
+            <a:schemeClr val="accent6">
+              <a:lumMod val="40000"/>
+              <a:lumOff val="60000"/>
+            </a:schemeClr>
           </a:solidFill>
-          <a:ln>
-            <a:solidFill>
-              <a:schemeClr val="bg1"/>
-            </a:solidFill>
-          </a:ln>
         </p:spPr>
         <p:style>
           <a:lnRef idx="2">
@@ -9758,16 +9162,20 @@
           <a:p>
             <a:pPr algn="ctr"/>
             <a:r>
-              <a:rPr lang="zh-CN" altLang="en-US" sz="1100" dirty="0" smtClean="0">
+              <a:rPr lang="zh-CN" altLang="en-US" sz="1000" dirty="0">
                 <a:solidFill>
-                  <a:schemeClr val="tx1"/>
+                  <a:schemeClr val="tx2">
+                    <a:lumMod val="75000"/>
+                  </a:schemeClr>
                 </a:solidFill>
               </a:rPr>
-              <a:t>解决方案</a:t>
-            </a:r>
-            <a:endParaRPr lang="zh-CN" altLang="en-US" sz="1100" dirty="0">
+              <a:t>关于方田时代</a:t>
+            </a:r>
+            <a:endParaRPr lang="en-US" sz="1000" dirty="0">
               <a:solidFill>
-                <a:schemeClr val="tx1"/>
+                <a:schemeClr val="tx2">
+                  <a:lumMod val="75000"/>
+                </a:schemeClr>
               </a:solidFill>
             </a:endParaRPr>
           </a:p>
@@ -9775,20 +9183,23 @@
       </p:sp>
       <p:sp>
         <p:nvSpPr>
-          <p:cNvPr id="10" name="乘号 9"/>
+          <p:cNvPr id="14" name="Rounded Rectangle 13"/>
           <p:cNvSpPr/>
           <p:nvPr/>
         </p:nvSpPr>
         <p:spPr>
           <a:xfrm>
-            <a:off x="8703896" y="696098"/>
-            <a:ext cx="227057" cy="440155"/>
-          </a:xfrm>
-          <a:prstGeom prst="mathMultiply">
+            <a:off x="5796136" y="1720769"/>
+            <a:ext cx="1008112" cy="216024"/>
+          </a:xfrm>
+          <a:prstGeom prst="roundRect">
             <a:avLst/>
           </a:prstGeom>
           <a:solidFill>
-            <a:schemeClr val="accent2"/>
+            <a:schemeClr val="accent6">
+              <a:lumMod val="40000"/>
+              <a:lumOff val="60000"/>
+            </a:schemeClr>
           </a:solidFill>
         </p:spPr>
         <p:style>
@@ -9812,10 +9223,1438 @@
           <a:lstStyle/>
           <a:p>
             <a:pPr algn="ctr"/>
-            <a:endParaRPr lang="zh-CN" altLang="en-US"/>
-          </a:p>
-        </p:txBody>
-      </p:sp>
+            <a:r>
+              <a:rPr lang="zh-CN" altLang="en-US" sz="1000" dirty="0">
+                <a:solidFill>
+                  <a:schemeClr val="tx2">
+                    <a:lumMod val="75000"/>
+                  </a:schemeClr>
+                </a:solidFill>
+              </a:rPr>
+              <a:t>组织架构</a:t>
+            </a:r>
+            <a:endParaRPr lang="en-US" sz="1000" dirty="0">
+              <a:solidFill>
+                <a:schemeClr val="tx2">
+                  <a:lumMod val="75000"/>
+                </a:schemeClr>
+              </a:solidFill>
+            </a:endParaRPr>
+          </a:p>
+        </p:txBody>
+      </p:sp>
+      <p:sp>
+        <p:nvSpPr>
+          <p:cNvPr id="15" name="Rounded Rectangle 14"/>
+          <p:cNvSpPr/>
+          <p:nvPr/>
+        </p:nvSpPr>
+        <p:spPr>
+          <a:xfrm>
+            <a:off x="5796136" y="2032998"/>
+            <a:ext cx="1008112" cy="216024"/>
+          </a:xfrm>
+          <a:prstGeom prst="roundRect">
+            <a:avLst/>
+          </a:prstGeom>
+          <a:solidFill>
+            <a:schemeClr val="accent6">
+              <a:lumMod val="40000"/>
+              <a:lumOff val="60000"/>
+            </a:schemeClr>
+          </a:solidFill>
+        </p:spPr>
+        <p:style>
+          <a:lnRef idx="2">
+            <a:schemeClr val="accent1">
+              <a:shade val="50000"/>
+            </a:schemeClr>
+          </a:lnRef>
+          <a:fillRef idx="1">
+            <a:schemeClr val="accent1"/>
+          </a:fillRef>
+          <a:effectRef idx="0">
+            <a:schemeClr val="accent1"/>
+          </a:effectRef>
+          <a:fontRef idx="minor">
+            <a:schemeClr val="lt1"/>
+          </a:fontRef>
+        </p:style>
+        <p:txBody>
+          <a:bodyPr rtlCol="0" anchor="ctr"/>
+          <a:lstStyle/>
+          <a:p>
+            <a:pPr algn="ctr"/>
+            <a:r>
+              <a:rPr lang="zh-CN" altLang="en-US" sz="1000" dirty="0">
+                <a:solidFill>
+                  <a:schemeClr val="tx2">
+                    <a:lumMod val="75000"/>
+                  </a:schemeClr>
+                </a:solidFill>
+              </a:rPr>
+              <a:t>我们的客户</a:t>
+            </a:r>
+            <a:endParaRPr lang="en-US" sz="1000" dirty="0">
+              <a:solidFill>
+                <a:schemeClr val="tx2">
+                  <a:lumMod val="75000"/>
+                </a:schemeClr>
+              </a:solidFill>
+            </a:endParaRPr>
+          </a:p>
+        </p:txBody>
+      </p:sp>
+      <p:sp>
+        <p:nvSpPr>
+          <p:cNvPr id="16" name="Rounded Rectangle 15"/>
+          <p:cNvSpPr/>
+          <p:nvPr/>
+        </p:nvSpPr>
+        <p:spPr>
+          <a:xfrm>
+            <a:off x="5796136" y="2345227"/>
+            <a:ext cx="1008112" cy="216024"/>
+          </a:xfrm>
+          <a:prstGeom prst="roundRect">
+            <a:avLst/>
+          </a:prstGeom>
+          <a:solidFill>
+            <a:schemeClr val="accent6">
+              <a:lumMod val="40000"/>
+              <a:lumOff val="60000"/>
+            </a:schemeClr>
+          </a:solidFill>
+        </p:spPr>
+        <p:style>
+          <a:lnRef idx="2">
+            <a:schemeClr val="accent1">
+              <a:shade val="50000"/>
+            </a:schemeClr>
+          </a:lnRef>
+          <a:fillRef idx="1">
+            <a:schemeClr val="accent1"/>
+          </a:fillRef>
+          <a:effectRef idx="0">
+            <a:schemeClr val="accent1"/>
+          </a:effectRef>
+          <a:fontRef idx="minor">
+            <a:schemeClr val="lt1"/>
+          </a:fontRef>
+        </p:style>
+        <p:txBody>
+          <a:bodyPr rtlCol="0" anchor="ctr"/>
+          <a:lstStyle/>
+          <a:p>
+            <a:pPr algn="ctr"/>
+            <a:r>
+              <a:rPr lang="zh-CN" altLang="en-US" sz="1000" dirty="0">
+                <a:solidFill>
+                  <a:schemeClr val="tx2">
+                    <a:lumMod val="75000"/>
+                  </a:schemeClr>
+                </a:solidFill>
+              </a:rPr>
+              <a:t>加入方田时代</a:t>
+            </a:r>
+            <a:endParaRPr lang="en-US" sz="1000" dirty="0">
+              <a:solidFill>
+                <a:schemeClr val="tx2">
+                  <a:lumMod val="75000"/>
+                </a:schemeClr>
+              </a:solidFill>
+            </a:endParaRPr>
+          </a:p>
+        </p:txBody>
+      </p:sp>
+      <p:sp>
+        <p:nvSpPr>
+          <p:cNvPr id="17" name="Rounded Rectangle 16"/>
+          <p:cNvSpPr/>
+          <p:nvPr/>
+        </p:nvSpPr>
+        <p:spPr>
+          <a:xfrm>
+            <a:off x="5796136" y="2657456"/>
+            <a:ext cx="1008112" cy="216024"/>
+          </a:xfrm>
+          <a:prstGeom prst="roundRect">
+            <a:avLst/>
+          </a:prstGeom>
+          <a:solidFill>
+            <a:schemeClr val="accent6">
+              <a:lumMod val="40000"/>
+              <a:lumOff val="60000"/>
+            </a:schemeClr>
+          </a:solidFill>
+        </p:spPr>
+        <p:style>
+          <a:lnRef idx="2">
+            <a:schemeClr val="accent1">
+              <a:shade val="50000"/>
+            </a:schemeClr>
+          </a:lnRef>
+          <a:fillRef idx="1">
+            <a:schemeClr val="accent1"/>
+          </a:fillRef>
+          <a:effectRef idx="0">
+            <a:schemeClr val="accent1"/>
+          </a:effectRef>
+          <a:fontRef idx="minor">
+            <a:schemeClr val="lt1"/>
+          </a:fontRef>
+        </p:style>
+        <p:txBody>
+          <a:bodyPr rtlCol="0" anchor="ctr"/>
+          <a:lstStyle/>
+          <a:p>
+            <a:pPr algn="ctr"/>
+            <a:r>
+              <a:rPr lang="zh-CN" altLang="en-US" sz="1000" dirty="0">
+                <a:solidFill>
+                  <a:schemeClr val="tx2">
+                    <a:lumMod val="75000"/>
+                  </a:schemeClr>
+                </a:solidFill>
+              </a:rPr>
+              <a:t>联系我们</a:t>
+            </a:r>
+            <a:endParaRPr lang="en-US" sz="1000" dirty="0">
+              <a:solidFill>
+                <a:schemeClr val="tx2">
+                  <a:lumMod val="75000"/>
+                </a:schemeClr>
+              </a:solidFill>
+            </a:endParaRPr>
+          </a:p>
+        </p:txBody>
+      </p:sp>
+      <p:sp>
+        <p:nvSpPr>
+          <p:cNvPr id="18" name="Rounded Rectangle 17"/>
+          <p:cNvSpPr/>
+          <p:nvPr/>
+        </p:nvSpPr>
+        <p:spPr>
+          <a:xfrm>
+            <a:off x="251520" y="1116696"/>
+            <a:ext cx="1008112" cy="216024"/>
+          </a:xfrm>
+          <a:prstGeom prst="roundRect">
+            <a:avLst/>
+          </a:prstGeom>
+        </p:spPr>
+        <p:style>
+          <a:lnRef idx="2">
+            <a:schemeClr val="accent1">
+              <a:shade val="50000"/>
+            </a:schemeClr>
+          </a:lnRef>
+          <a:fillRef idx="1">
+            <a:schemeClr val="accent1"/>
+          </a:fillRef>
+          <a:effectRef idx="0">
+            <a:schemeClr val="accent1"/>
+          </a:effectRef>
+          <a:fontRef idx="minor">
+            <a:schemeClr val="lt1"/>
+          </a:fontRef>
+        </p:style>
+        <p:txBody>
+          <a:bodyPr rtlCol="0" anchor="ctr"/>
+          <a:lstStyle/>
+          <a:p>
+            <a:pPr algn="ctr"/>
+            <a:r>
+              <a:rPr lang="zh-CN" altLang="en-US" sz="1000" dirty="0"/>
+              <a:t>行</a:t>
+            </a:r>
+            <a:r>
+              <a:rPr lang="zh-CN" altLang="en-US" sz="1000" dirty="0" smtClean="0"/>
+              <a:t>业解决方案</a:t>
+            </a:r>
+            <a:endParaRPr lang="en-US" sz="1000" dirty="0"/>
+          </a:p>
+        </p:txBody>
+      </p:sp>
+      <p:sp>
+        <p:nvSpPr>
+          <p:cNvPr id="19" name="Rounded Rectangle 18"/>
+          <p:cNvSpPr/>
+          <p:nvPr/>
+        </p:nvSpPr>
+        <p:spPr>
+          <a:xfrm>
+            <a:off x="1835696" y="1114290"/>
+            <a:ext cx="1008112" cy="216024"/>
+          </a:xfrm>
+          <a:prstGeom prst="roundRect">
+            <a:avLst/>
+          </a:prstGeom>
+        </p:spPr>
+        <p:style>
+          <a:lnRef idx="2">
+            <a:schemeClr val="accent1">
+              <a:shade val="50000"/>
+            </a:schemeClr>
+          </a:lnRef>
+          <a:fillRef idx="1">
+            <a:schemeClr val="accent1"/>
+          </a:fillRef>
+          <a:effectRef idx="0">
+            <a:schemeClr val="accent1"/>
+          </a:effectRef>
+          <a:fontRef idx="minor">
+            <a:schemeClr val="lt1"/>
+          </a:fontRef>
+        </p:style>
+        <p:txBody>
+          <a:bodyPr rtlCol="0" anchor="ctr"/>
+          <a:lstStyle/>
+          <a:p>
+            <a:pPr algn="ctr"/>
+            <a:r>
+              <a:rPr lang="zh-CN" altLang="en-US" sz="1000" dirty="0"/>
+              <a:t>软</a:t>
+            </a:r>
+            <a:r>
+              <a:rPr lang="zh-CN" altLang="en-US" sz="1000" dirty="0" smtClean="0"/>
+              <a:t>件开发</a:t>
+            </a:r>
+            <a:endParaRPr lang="en-US" sz="1000" dirty="0"/>
+          </a:p>
+        </p:txBody>
+      </p:sp>
+      <p:sp>
+        <p:nvSpPr>
+          <p:cNvPr id="20" name="Rounded Rectangle 19"/>
+          <p:cNvSpPr/>
+          <p:nvPr/>
+        </p:nvSpPr>
+        <p:spPr>
+          <a:xfrm>
+            <a:off x="3491880" y="1114290"/>
+            <a:ext cx="1008112" cy="216024"/>
+          </a:xfrm>
+          <a:prstGeom prst="roundRect">
+            <a:avLst/>
+          </a:prstGeom>
+        </p:spPr>
+        <p:style>
+          <a:lnRef idx="2">
+            <a:schemeClr val="accent1">
+              <a:shade val="50000"/>
+            </a:schemeClr>
+          </a:lnRef>
+          <a:fillRef idx="1">
+            <a:schemeClr val="accent1"/>
+          </a:fillRef>
+          <a:effectRef idx="0">
+            <a:schemeClr val="accent1"/>
+          </a:effectRef>
+          <a:fontRef idx="minor">
+            <a:schemeClr val="lt1"/>
+          </a:fontRef>
+        </p:style>
+        <p:txBody>
+          <a:bodyPr rtlCol="0" anchor="ctr"/>
+          <a:lstStyle/>
+          <a:p>
+            <a:pPr algn="ctr"/>
+            <a:r>
+              <a:rPr lang="zh-CN" altLang="en-US" sz="1000" dirty="0"/>
+              <a:t>外</a:t>
+            </a:r>
+            <a:r>
+              <a:rPr lang="zh-CN" altLang="en-US" sz="1000" dirty="0" smtClean="0"/>
+              <a:t>包业务</a:t>
+            </a:r>
+            <a:endParaRPr lang="en-US" sz="1000" dirty="0"/>
+          </a:p>
+        </p:txBody>
+      </p:sp>
+      <p:sp>
+        <p:nvSpPr>
+          <p:cNvPr id="23" name="Rounded Rectangle 22"/>
+          <p:cNvSpPr/>
+          <p:nvPr/>
+        </p:nvSpPr>
+        <p:spPr>
+          <a:xfrm>
+            <a:off x="107504" y="1485295"/>
+            <a:ext cx="1296144" cy="214930"/>
+          </a:xfrm>
+          <a:prstGeom prst="roundRect">
+            <a:avLst/>
+          </a:prstGeom>
+          <a:solidFill>
+            <a:schemeClr val="accent6">
+              <a:lumMod val="40000"/>
+              <a:lumOff val="60000"/>
+            </a:schemeClr>
+          </a:solidFill>
+        </p:spPr>
+        <p:style>
+          <a:lnRef idx="2">
+            <a:schemeClr val="accent1">
+              <a:shade val="50000"/>
+            </a:schemeClr>
+          </a:lnRef>
+          <a:fillRef idx="1">
+            <a:schemeClr val="accent1"/>
+          </a:fillRef>
+          <a:effectRef idx="0">
+            <a:schemeClr val="accent1"/>
+          </a:effectRef>
+          <a:fontRef idx="minor">
+            <a:schemeClr val="lt1"/>
+          </a:fontRef>
+        </p:style>
+        <p:txBody>
+          <a:bodyPr rtlCol="0" anchor="ctr"/>
+          <a:lstStyle/>
+          <a:p>
+            <a:pPr algn="ctr"/>
+            <a:r>
+              <a:rPr lang="zh-CN" altLang="en-US" sz="1000" dirty="0">
+                <a:solidFill>
+                  <a:schemeClr val="tx2">
+                    <a:lumMod val="75000"/>
+                  </a:schemeClr>
+                </a:solidFill>
+              </a:rPr>
+              <a:t>电</a:t>
+            </a:r>
+            <a:r>
+              <a:rPr lang="zh-CN" altLang="en-US" sz="1000" dirty="0" smtClean="0">
+                <a:solidFill>
+                  <a:schemeClr val="tx2">
+                    <a:lumMod val="75000"/>
+                  </a:schemeClr>
+                </a:solidFill>
+              </a:rPr>
+              <a:t>子制造业产线自动化系统方案</a:t>
+            </a:r>
+            <a:endParaRPr lang="en-US" sz="1000" dirty="0">
+              <a:solidFill>
+                <a:schemeClr val="tx2">
+                  <a:lumMod val="75000"/>
+                </a:schemeClr>
+              </a:solidFill>
+            </a:endParaRPr>
+          </a:p>
+        </p:txBody>
+      </p:sp>
+      <p:sp>
+        <p:nvSpPr>
+          <p:cNvPr id="24" name="Rounded Rectangle 23"/>
+          <p:cNvSpPr/>
+          <p:nvPr/>
+        </p:nvSpPr>
+        <p:spPr>
+          <a:xfrm>
+            <a:off x="107504" y="1786300"/>
+            <a:ext cx="1296144" cy="214930"/>
+          </a:xfrm>
+          <a:prstGeom prst="roundRect">
+            <a:avLst/>
+          </a:prstGeom>
+          <a:solidFill>
+            <a:schemeClr val="accent6">
+              <a:lumMod val="40000"/>
+              <a:lumOff val="60000"/>
+            </a:schemeClr>
+          </a:solidFill>
+        </p:spPr>
+        <p:style>
+          <a:lnRef idx="2">
+            <a:schemeClr val="accent1">
+              <a:shade val="50000"/>
+            </a:schemeClr>
+          </a:lnRef>
+          <a:fillRef idx="1">
+            <a:schemeClr val="accent1"/>
+          </a:fillRef>
+          <a:effectRef idx="0">
+            <a:schemeClr val="accent1"/>
+          </a:effectRef>
+          <a:fontRef idx="minor">
+            <a:schemeClr val="lt1"/>
+          </a:fontRef>
+        </p:style>
+        <p:txBody>
+          <a:bodyPr rtlCol="0" anchor="ctr"/>
+          <a:lstStyle/>
+          <a:p>
+            <a:pPr algn="ctr"/>
+            <a:r>
+              <a:rPr lang="zh-CN" altLang="en-US" sz="1000" dirty="0">
+                <a:solidFill>
+                  <a:schemeClr val="tx2">
+                    <a:lumMod val="75000"/>
+                  </a:schemeClr>
+                </a:solidFill>
+              </a:rPr>
+              <a:t>企</a:t>
+            </a:r>
+            <a:r>
+              <a:rPr lang="zh-CN" altLang="en-US" sz="1000" dirty="0" smtClean="0">
+                <a:solidFill>
+                  <a:schemeClr val="tx2">
+                    <a:lumMod val="75000"/>
+                  </a:schemeClr>
+                </a:solidFill>
+              </a:rPr>
+              <a:t>业</a:t>
+            </a:r>
+            <a:r>
+              <a:rPr lang="en-US" altLang="zh-CN" sz="1000" dirty="0" smtClean="0">
+                <a:solidFill>
+                  <a:schemeClr val="tx2">
+                    <a:lumMod val="75000"/>
+                  </a:schemeClr>
+                </a:solidFill>
+              </a:rPr>
+              <a:t>ERP</a:t>
+            </a:r>
+            <a:r>
+              <a:rPr lang="zh-CN" altLang="en-US" sz="1000" dirty="0" smtClean="0">
+                <a:solidFill>
+                  <a:schemeClr val="tx2">
+                    <a:lumMod val="75000"/>
+                  </a:schemeClr>
+                </a:solidFill>
+              </a:rPr>
+              <a:t>方案</a:t>
+            </a:r>
+            <a:endParaRPr lang="en-US" sz="1000" dirty="0">
+              <a:solidFill>
+                <a:schemeClr val="tx2">
+                  <a:lumMod val="75000"/>
+                </a:schemeClr>
+              </a:solidFill>
+            </a:endParaRPr>
+          </a:p>
+        </p:txBody>
+      </p:sp>
+      <p:sp>
+        <p:nvSpPr>
+          <p:cNvPr id="25" name="Rounded Rectangle 24"/>
+          <p:cNvSpPr/>
+          <p:nvPr/>
+        </p:nvSpPr>
+        <p:spPr>
+          <a:xfrm>
+            <a:off x="107504" y="2092545"/>
+            <a:ext cx="1296144" cy="214930"/>
+          </a:xfrm>
+          <a:prstGeom prst="roundRect">
+            <a:avLst/>
+          </a:prstGeom>
+          <a:solidFill>
+            <a:schemeClr val="accent6">
+              <a:lumMod val="40000"/>
+              <a:lumOff val="60000"/>
+            </a:schemeClr>
+          </a:solidFill>
+        </p:spPr>
+        <p:style>
+          <a:lnRef idx="2">
+            <a:schemeClr val="accent1">
+              <a:shade val="50000"/>
+            </a:schemeClr>
+          </a:lnRef>
+          <a:fillRef idx="1">
+            <a:schemeClr val="accent1"/>
+          </a:fillRef>
+          <a:effectRef idx="0">
+            <a:schemeClr val="accent1"/>
+          </a:effectRef>
+          <a:fontRef idx="minor">
+            <a:schemeClr val="lt1"/>
+          </a:fontRef>
+        </p:style>
+        <p:txBody>
+          <a:bodyPr rtlCol="0" anchor="ctr"/>
+          <a:lstStyle/>
+          <a:p>
+            <a:pPr algn="ctr"/>
+            <a:r>
+              <a:rPr lang="zh-CN" altLang="en-US" sz="1000" dirty="0">
+                <a:solidFill>
+                  <a:schemeClr val="tx2">
+                    <a:lumMod val="75000"/>
+                  </a:schemeClr>
+                </a:solidFill>
+              </a:rPr>
+              <a:t>互联</a:t>
+            </a:r>
+            <a:r>
+              <a:rPr lang="zh-CN" altLang="en-US" sz="1000" dirty="0" smtClean="0">
+                <a:solidFill>
+                  <a:schemeClr val="tx2">
+                    <a:lumMod val="75000"/>
+                  </a:schemeClr>
+                </a:solidFill>
+              </a:rPr>
+              <a:t>网电子商务</a:t>
+            </a:r>
+            <a:endParaRPr lang="en-US" sz="1000" dirty="0">
+              <a:solidFill>
+                <a:schemeClr val="tx2">
+                  <a:lumMod val="75000"/>
+                </a:schemeClr>
+              </a:solidFill>
+            </a:endParaRPr>
+          </a:p>
+        </p:txBody>
+      </p:sp>
+      <p:sp>
+        <p:nvSpPr>
+          <p:cNvPr id="26" name="Rounded Rectangle 25"/>
+          <p:cNvSpPr/>
+          <p:nvPr/>
+        </p:nvSpPr>
+        <p:spPr>
+          <a:xfrm>
+            <a:off x="107504" y="2398790"/>
+            <a:ext cx="1296144" cy="214930"/>
+          </a:xfrm>
+          <a:prstGeom prst="roundRect">
+            <a:avLst/>
+          </a:prstGeom>
+          <a:solidFill>
+            <a:schemeClr val="accent6">
+              <a:lumMod val="40000"/>
+              <a:lumOff val="60000"/>
+            </a:schemeClr>
+          </a:solidFill>
+        </p:spPr>
+        <p:style>
+          <a:lnRef idx="2">
+            <a:schemeClr val="accent1">
+              <a:shade val="50000"/>
+            </a:schemeClr>
+          </a:lnRef>
+          <a:fillRef idx="1">
+            <a:schemeClr val="accent1"/>
+          </a:fillRef>
+          <a:effectRef idx="0">
+            <a:schemeClr val="accent1"/>
+          </a:effectRef>
+          <a:fontRef idx="minor">
+            <a:schemeClr val="lt1"/>
+          </a:fontRef>
+        </p:style>
+        <p:txBody>
+          <a:bodyPr rtlCol="0" anchor="ctr"/>
+          <a:lstStyle/>
+          <a:p>
+            <a:pPr algn="ctr"/>
+            <a:r>
+              <a:rPr lang="zh-CN" altLang="en-US" sz="1000" dirty="0">
+                <a:solidFill>
+                  <a:schemeClr val="tx2">
+                    <a:lumMod val="75000"/>
+                  </a:schemeClr>
+                </a:solidFill>
+              </a:rPr>
+              <a:t>连锁</a:t>
+            </a:r>
+            <a:r>
+              <a:rPr lang="zh-CN" altLang="en-US" sz="1000" dirty="0" smtClean="0">
+                <a:solidFill>
+                  <a:schemeClr val="tx2">
+                    <a:lumMod val="75000"/>
+                  </a:schemeClr>
+                </a:solidFill>
+              </a:rPr>
+              <a:t>店经营管理</a:t>
+            </a:r>
+            <a:endParaRPr lang="en-US" sz="1000" dirty="0">
+              <a:solidFill>
+                <a:schemeClr val="tx2">
+                  <a:lumMod val="75000"/>
+                </a:schemeClr>
+              </a:solidFill>
+            </a:endParaRPr>
+          </a:p>
+        </p:txBody>
+      </p:sp>
+      <p:sp>
+        <p:nvSpPr>
+          <p:cNvPr id="27" name="Rounded Rectangle 26"/>
+          <p:cNvSpPr/>
+          <p:nvPr/>
+        </p:nvSpPr>
+        <p:spPr>
+          <a:xfrm>
+            <a:off x="1691680" y="1412173"/>
+            <a:ext cx="1296144" cy="214930"/>
+          </a:xfrm>
+          <a:prstGeom prst="roundRect">
+            <a:avLst/>
+          </a:prstGeom>
+          <a:solidFill>
+            <a:schemeClr val="accent6">
+              <a:lumMod val="40000"/>
+              <a:lumOff val="60000"/>
+            </a:schemeClr>
+          </a:solidFill>
+        </p:spPr>
+        <p:style>
+          <a:lnRef idx="2">
+            <a:schemeClr val="accent1">
+              <a:shade val="50000"/>
+            </a:schemeClr>
+          </a:lnRef>
+          <a:fillRef idx="1">
+            <a:schemeClr val="accent1"/>
+          </a:fillRef>
+          <a:effectRef idx="0">
+            <a:schemeClr val="accent1"/>
+          </a:effectRef>
+          <a:fontRef idx="minor">
+            <a:schemeClr val="lt1"/>
+          </a:fontRef>
+        </p:style>
+        <p:txBody>
+          <a:bodyPr rtlCol="0" anchor="ctr"/>
+          <a:lstStyle/>
+          <a:p>
+            <a:pPr algn="ctr"/>
+            <a:r>
+              <a:rPr lang="en-US" sz="1000" dirty="0" smtClean="0">
+                <a:solidFill>
+                  <a:schemeClr val="tx2">
+                    <a:lumMod val="75000"/>
+                  </a:schemeClr>
+                </a:solidFill>
+              </a:rPr>
+              <a:t>MES</a:t>
+            </a:r>
+            <a:r>
+              <a:rPr lang="zh-CN" altLang="en-US" sz="1000" dirty="0" smtClean="0">
+                <a:solidFill>
+                  <a:schemeClr val="tx2">
+                    <a:lumMod val="75000"/>
+                  </a:schemeClr>
+                </a:solidFill>
+              </a:rPr>
+              <a:t>系统</a:t>
+            </a:r>
+            <a:endParaRPr lang="en-US" sz="1000" dirty="0">
+              <a:solidFill>
+                <a:schemeClr val="tx2">
+                  <a:lumMod val="75000"/>
+                </a:schemeClr>
+              </a:solidFill>
+            </a:endParaRPr>
+          </a:p>
+        </p:txBody>
+      </p:sp>
+      <p:sp>
+        <p:nvSpPr>
+          <p:cNvPr id="28" name="Rounded Rectangle 27"/>
+          <p:cNvSpPr/>
+          <p:nvPr/>
+        </p:nvSpPr>
+        <p:spPr>
+          <a:xfrm>
+            <a:off x="1691680" y="1713178"/>
+            <a:ext cx="1296144" cy="214930"/>
+          </a:xfrm>
+          <a:prstGeom prst="roundRect">
+            <a:avLst/>
+          </a:prstGeom>
+          <a:solidFill>
+            <a:schemeClr val="accent6">
+              <a:lumMod val="40000"/>
+              <a:lumOff val="60000"/>
+            </a:schemeClr>
+          </a:solidFill>
+        </p:spPr>
+        <p:style>
+          <a:lnRef idx="2">
+            <a:schemeClr val="accent1">
+              <a:shade val="50000"/>
+            </a:schemeClr>
+          </a:lnRef>
+          <a:fillRef idx="1">
+            <a:schemeClr val="accent1"/>
+          </a:fillRef>
+          <a:effectRef idx="0">
+            <a:schemeClr val="accent1"/>
+          </a:effectRef>
+          <a:fontRef idx="minor">
+            <a:schemeClr val="lt1"/>
+          </a:fontRef>
+        </p:style>
+        <p:txBody>
+          <a:bodyPr rtlCol="0" anchor="ctr"/>
+          <a:lstStyle/>
+          <a:p>
+            <a:pPr algn="ctr"/>
+            <a:r>
+              <a:rPr lang="en-US" altLang="zh-CN" sz="1000" dirty="0" smtClean="0">
+                <a:solidFill>
+                  <a:schemeClr val="tx2">
+                    <a:lumMod val="75000"/>
+                  </a:schemeClr>
+                </a:solidFill>
+              </a:rPr>
+              <a:t>ERP</a:t>
+            </a:r>
+            <a:r>
+              <a:rPr lang="zh-CN" altLang="en-US" sz="1000" dirty="0" smtClean="0">
+                <a:solidFill>
+                  <a:schemeClr val="tx2">
+                    <a:lumMod val="75000"/>
+                  </a:schemeClr>
+                </a:solidFill>
+              </a:rPr>
+              <a:t>系统</a:t>
+            </a:r>
+            <a:endParaRPr lang="en-US" sz="1000" dirty="0">
+              <a:solidFill>
+                <a:schemeClr val="tx2">
+                  <a:lumMod val="75000"/>
+                </a:schemeClr>
+              </a:solidFill>
+            </a:endParaRPr>
+          </a:p>
+        </p:txBody>
+      </p:sp>
+      <p:sp>
+        <p:nvSpPr>
+          <p:cNvPr id="29" name="Rounded Rectangle 28"/>
+          <p:cNvSpPr/>
+          <p:nvPr/>
+        </p:nvSpPr>
+        <p:spPr>
+          <a:xfrm>
+            <a:off x="1691680" y="2019423"/>
+            <a:ext cx="1296144" cy="214930"/>
+          </a:xfrm>
+          <a:prstGeom prst="roundRect">
+            <a:avLst/>
+          </a:prstGeom>
+          <a:solidFill>
+            <a:schemeClr val="accent6">
+              <a:lumMod val="40000"/>
+              <a:lumOff val="60000"/>
+            </a:schemeClr>
+          </a:solidFill>
+        </p:spPr>
+        <p:style>
+          <a:lnRef idx="2">
+            <a:schemeClr val="accent1">
+              <a:shade val="50000"/>
+            </a:schemeClr>
+          </a:lnRef>
+          <a:fillRef idx="1">
+            <a:schemeClr val="accent1"/>
+          </a:fillRef>
+          <a:effectRef idx="0">
+            <a:schemeClr val="accent1"/>
+          </a:effectRef>
+          <a:fontRef idx="minor">
+            <a:schemeClr val="lt1"/>
+          </a:fontRef>
+        </p:style>
+        <p:txBody>
+          <a:bodyPr rtlCol="0" anchor="ctr"/>
+          <a:lstStyle/>
+          <a:p>
+            <a:pPr algn="ctr"/>
+            <a:r>
+              <a:rPr lang="zh-CN" altLang="en-US" sz="1000" dirty="0">
+                <a:solidFill>
+                  <a:schemeClr val="tx2">
+                    <a:lumMod val="75000"/>
+                  </a:schemeClr>
+                </a:solidFill>
+              </a:rPr>
+              <a:t>中</a:t>
+            </a:r>
+            <a:r>
+              <a:rPr lang="zh-CN" altLang="en-US" sz="1000" dirty="0" smtClean="0">
+                <a:solidFill>
+                  <a:schemeClr val="tx2">
+                    <a:lumMod val="75000"/>
+                  </a:schemeClr>
+                </a:solidFill>
+              </a:rPr>
+              <a:t>小企业门户网站</a:t>
+            </a:r>
+            <a:endParaRPr lang="en-US" sz="1000" dirty="0">
+              <a:solidFill>
+                <a:schemeClr val="tx2">
+                  <a:lumMod val="75000"/>
+                </a:schemeClr>
+              </a:solidFill>
+            </a:endParaRPr>
+          </a:p>
+        </p:txBody>
+      </p:sp>
+      <p:sp>
+        <p:nvSpPr>
+          <p:cNvPr id="30" name="Rounded Rectangle 29"/>
+          <p:cNvSpPr/>
+          <p:nvPr/>
+        </p:nvSpPr>
+        <p:spPr>
+          <a:xfrm>
+            <a:off x="1691680" y="2325668"/>
+            <a:ext cx="1296144" cy="214930"/>
+          </a:xfrm>
+          <a:prstGeom prst="roundRect">
+            <a:avLst/>
+          </a:prstGeom>
+          <a:solidFill>
+            <a:schemeClr val="accent6">
+              <a:lumMod val="40000"/>
+              <a:lumOff val="60000"/>
+            </a:schemeClr>
+          </a:solidFill>
+        </p:spPr>
+        <p:style>
+          <a:lnRef idx="2">
+            <a:schemeClr val="accent1">
+              <a:shade val="50000"/>
+            </a:schemeClr>
+          </a:lnRef>
+          <a:fillRef idx="1">
+            <a:schemeClr val="accent1"/>
+          </a:fillRef>
+          <a:effectRef idx="0">
+            <a:schemeClr val="accent1"/>
+          </a:effectRef>
+          <a:fontRef idx="minor">
+            <a:schemeClr val="lt1"/>
+          </a:fontRef>
+        </p:style>
+        <p:txBody>
+          <a:bodyPr rtlCol="0" anchor="ctr"/>
+          <a:lstStyle/>
+          <a:p>
+            <a:pPr algn="ctr"/>
+            <a:r>
+              <a:rPr lang="zh-CN" altLang="en-US" sz="1000" dirty="0">
+                <a:solidFill>
+                  <a:schemeClr val="tx2">
+                    <a:lumMod val="75000"/>
+                  </a:schemeClr>
+                </a:solidFill>
+              </a:rPr>
+              <a:t>连锁</a:t>
+            </a:r>
+            <a:r>
+              <a:rPr lang="zh-CN" altLang="en-US" sz="1000" dirty="0" smtClean="0">
+                <a:solidFill>
+                  <a:schemeClr val="tx2">
+                    <a:lumMod val="75000"/>
+                  </a:schemeClr>
+                </a:solidFill>
+              </a:rPr>
+              <a:t>店管理系统</a:t>
+            </a:r>
+            <a:endParaRPr lang="en-US" sz="1000" dirty="0">
+              <a:solidFill>
+                <a:schemeClr val="tx2">
+                  <a:lumMod val="75000"/>
+                </a:schemeClr>
+              </a:solidFill>
+            </a:endParaRPr>
+          </a:p>
+        </p:txBody>
+      </p:sp>
+      <p:sp>
+        <p:nvSpPr>
+          <p:cNvPr id="31" name="Rounded Rectangle 30"/>
+          <p:cNvSpPr/>
+          <p:nvPr/>
+        </p:nvSpPr>
+        <p:spPr>
+          <a:xfrm>
+            <a:off x="1691680" y="2631913"/>
+            <a:ext cx="1296144" cy="214930"/>
+          </a:xfrm>
+          <a:prstGeom prst="roundRect">
+            <a:avLst/>
+          </a:prstGeom>
+          <a:solidFill>
+            <a:schemeClr val="accent6">
+              <a:lumMod val="40000"/>
+              <a:lumOff val="60000"/>
+            </a:schemeClr>
+          </a:solidFill>
+        </p:spPr>
+        <p:style>
+          <a:lnRef idx="2">
+            <a:schemeClr val="accent1">
+              <a:shade val="50000"/>
+            </a:schemeClr>
+          </a:lnRef>
+          <a:fillRef idx="1">
+            <a:schemeClr val="accent1"/>
+          </a:fillRef>
+          <a:effectRef idx="0">
+            <a:schemeClr val="accent1"/>
+          </a:effectRef>
+          <a:fontRef idx="minor">
+            <a:schemeClr val="lt1"/>
+          </a:fontRef>
+        </p:style>
+        <p:txBody>
+          <a:bodyPr rtlCol="0" anchor="ctr"/>
+          <a:lstStyle/>
+          <a:p>
+            <a:pPr algn="ctr"/>
+            <a:r>
+              <a:rPr lang="en-US" sz="1000" dirty="0" smtClean="0">
+                <a:solidFill>
+                  <a:schemeClr val="tx2">
+                    <a:lumMod val="75000"/>
+                  </a:schemeClr>
+                </a:solidFill>
+              </a:rPr>
+              <a:t>B2C</a:t>
+            </a:r>
+            <a:r>
+              <a:rPr lang="zh-CN" altLang="en-US" sz="1000" dirty="0">
+                <a:solidFill>
+                  <a:schemeClr val="tx2">
+                    <a:lumMod val="75000"/>
+                  </a:schemeClr>
+                </a:solidFill>
+              </a:rPr>
+              <a:t>电</a:t>
+            </a:r>
+            <a:r>
+              <a:rPr lang="zh-CN" altLang="en-US" sz="1000" dirty="0" smtClean="0">
+                <a:solidFill>
+                  <a:schemeClr val="tx2">
+                    <a:lumMod val="75000"/>
+                  </a:schemeClr>
+                </a:solidFill>
+              </a:rPr>
+              <a:t>子商务系统</a:t>
+            </a:r>
+            <a:endParaRPr lang="en-US" sz="1000" dirty="0">
+              <a:solidFill>
+                <a:schemeClr val="tx2">
+                  <a:lumMod val="75000"/>
+                </a:schemeClr>
+              </a:solidFill>
+            </a:endParaRPr>
+          </a:p>
+        </p:txBody>
+      </p:sp>
+      <p:sp>
+        <p:nvSpPr>
+          <p:cNvPr id="32" name="Rounded Rectangle 31"/>
+          <p:cNvSpPr/>
+          <p:nvPr/>
+        </p:nvSpPr>
+        <p:spPr>
+          <a:xfrm>
+            <a:off x="3347864" y="1412173"/>
+            <a:ext cx="1296144" cy="214930"/>
+          </a:xfrm>
+          <a:prstGeom prst="roundRect">
+            <a:avLst/>
+          </a:prstGeom>
+          <a:solidFill>
+            <a:schemeClr val="accent6">
+              <a:lumMod val="40000"/>
+              <a:lumOff val="60000"/>
+            </a:schemeClr>
+          </a:solidFill>
+        </p:spPr>
+        <p:style>
+          <a:lnRef idx="2">
+            <a:schemeClr val="accent1">
+              <a:shade val="50000"/>
+            </a:schemeClr>
+          </a:lnRef>
+          <a:fillRef idx="1">
+            <a:schemeClr val="accent1"/>
+          </a:fillRef>
+          <a:effectRef idx="0">
+            <a:schemeClr val="accent1"/>
+          </a:effectRef>
+          <a:fontRef idx="minor">
+            <a:schemeClr val="lt1"/>
+          </a:fontRef>
+        </p:style>
+        <p:txBody>
+          <a:bodyPr rtlCol="0" anchor="ctr"/>
+          <a:lstStyle/>
+          <a:p>
+            <a:pPr algn="ctr"/>
+            <a:r>
+              <a:rPr lang="en-US" sz="1000" dirty="0" smtClean="0">
+                <a:solidFill>
+                  <a:schemeClr val="tx2">
+                    <a:lumMod val="75000"/>
+                  </a:schemeClr>
+                </a:solidFill>
+              </a:rPr>
+              <a:t>IT</a:t>
+            </a:r>
+            <a:r>
+              <a:rPr lang="zh-CN" altLang="en-US" sz="1000" dirty="0" smtClean="0">
+                <a:solidFill>
+                  <a:schemeClr val="tx2">
+                    <a:lumMod val="75000"/>
+                  </a:schemeClr>
+                </a:solidFill>
+              </a:rPr>
+              <a:t>咨询</a:t>
+            </a:r>
+            <a:endParaRPr lang="en-US" sz="1000" dirty="0">
+              <a:solidFill>
+                <a:schemeClr val="tx2">
+                  <a:lumMod val="75000"/>
+                </a:schemeClr>
+              </a:solidFill>
+            </a:endParaRPr>
+          </a:p>
+        </p:txBody>
+      </p:sp>
+      <p:sp>
+        <p:nvSpPr>
+          <p:cNvPr id="33" name="Rounded Rectangle 32"/>
+          <p:cNvSpPr/>
+          <p:nvPr/>
+        </p:nvSpPr>
+        <p:spPr>
+          <a:xfrm>
+            <a:off x="3347864" y="1713178"/>
+            <a:ext cx="1296144" cy="214930"/>
+          </a:xfrm>
+          <a:prstGeom prst="roundRect">
+            <a:avLst/>
+          </a:prstGeom>
+          <a:solidFill>
+            <a:schemeClr val="accent6">
+              <a:lumMod val="40000"/>
+              <a:lumOff val="60000"/>
+            </a:schemeClr>
+          </a:solidFill>
+        </p:spPr>
+        <p:style>
+          <a:lnRef idx="2">
+            <a:schemeClr val="accent1">
+              <a:shade val="50000"/>
+            </a:schemeClr>
+          </a:lnRef>
+          <a:fillRef idx="1">
+            <a:schemeClr val="accent1"/>
+          </a:fillRef>
+          <a:effectRef idx="0">
+            <a:schemeClr val="accent1"/>
+          </a:effectRef>
+          <a:fontRef idx="minor">
+            <a:schemeClr val="lt1"/>
+          </a:fontRef>
+        </p:style>
+        <p:txBody>
+          <a:bodyPr rtlCol="0" anchor="ctr"/>
+          <a:lstStyle/>
+          <a:p>
+            <a:pPr algn="ctr"/>
+            <a:r>
+              <a:rPr lang="zh-CN" altLang="en-US" sz="1000" dirty="0">
+                <a:solidFill>
+                  <a:schemeClr val="tx2">
+                    <a:lumMod val="75000"/>
+                  </a:schemeClr>
+                </a:solidFill>
+              </a:rPr>
+              <a:t>产</a:t>
+            </a:r>
+            <a:r>
+              <a:rPr lang="zh-CN" altLang="en-US" sz="1000" dirty="0" smtClean="0">
+                <a:solidFill>
+                  <a:schemeClr val="tx2">
+                    <a:lumMod val="75000"/>
+                  </a:schemeClr>
+                </a:solidFill>
+              </a:rPr>
+              <a:t>品测试服务</a:t>
+            </a:r>
+            <a:endParaRPr lang="en-US" sz="1000" dirty="0">
+              <a:solidFill>
+                <a:schemeClr val="tx2">
+                  <a:lumMod val="75000"/>
+                </a:schemeClr>
+              </a:solidFill>
+            </a:endParaRPr>
+          </a:p>
+        </p:txBody>
+      </p:sp>
+      <p:sp>
+        <p:nvSpPr>
+          <p:cNvPr id="34" name="Rounded Rectangle 33"/>
+          <p:cNvSpPr/>
+          <p:nvPr/>
+        </p:nvSpPr>
+        <p:spPr>
+          <a:xfrm>
+            <a:off x="3347864" y="2019423"/>
+            <a:ext cx="1440160" cy="214930"/>
+          </a:xfrm>
+          <a:prstGeom prst="roundRect">
+            <a:avLst/>
+          </a:prstGeom>
+          <a:solidFill>
+            <a:schemeClr val="accent6">
+              <a:lumMod val="40000"/>
+              <a:lumOff val="60000"/>
+            </a:schemeClr>
+          </a:solidFill>
+        </p:spPr>
+        <p:style>
+          <a:lnRef idx="2">
+            <a:schemeClr val="accent1">
+              <a:shade val="50000"/>
+            </a:schemeClr>
+          </a:lnRef>
+          <a:fillRef idx="1">
+            <a:schemeClr val="accent1"/>
+          </a:fillRef>
+          <a:effectRef idx="0">
+            <a:schemeClr val="accent1"/>
+          </a:effectRef>
+          <a:fontRef idx="minor">
+            <a:schemeClr val="lt1"/>
+          </a:fontRef>
+        </p:style>
+        <p:txBody>
+          <a:bodyPr rtlCol="0" anchor="ctr"/>
+          <a:lstStyle/>
+          <a:p>
+            <a:pPr algn="ctr"/>
+            <a:r>
+              <a:rPr lang="en-US" sz="1000" dirty="0" smtClean="0">
+                <a:solidFill>
+                  <a:schemeClr val="tx2">
+                    <a:lumMod val="75000"/>
+                  </a:schemeClr>
+                </a:solidFill>
+              </a:rPr>
+              <a:t>IT</a:t>
+            </a:r>
+            <a:r>
+              <a:rPr lang="zh-CN" altLang="en-US" sz="1000" dirty="0" smtClean="0">
+                <a:solidFill>
+                  <a:schemeClr val="tx2">
+                    <a:lumMod val="75000"/>
+                  </a:schemeClr>
+                </a:solidFill>
+              </a:rPr>
+              <a:t>技术人才派遣服务</a:t>
+            </a:r>
+            <a:endParaRPr lang="en-US" sz="1000" dirty="0">
+              <a:solidFill>
+                <a:schemeClr val="tx2">
+                  <a:lumMod val="75000"/>
+                </a:schemeClr>
+              </a:solidFill>
+            </a:endParaRPr>
+          </a:p>
+        </p:txBody>
+      </p:sp>
+      <p:cxnSp>
+        <p:nvCxnSpPr>
+          <p:cNvPr id="12" name="Elbow Connector 11"/>
+          <p:cNvCxnSpPr>
+            <a:endCxn id="18" idx="0"/>
+          </p:cNvCxnSpPr>
+          <p:nvPr/>
+        </p:nvCxnSpPr>
+        <p:spPr>
+          <a:xfrm rot="10800000" flipV="1">
+            <a:off x="755576" y="534706"/>
+            <a:ext cx="3384376" cy="581989"/>
+          </a:xfrm>
+          <a:prstGeom prst="bentConnector2">
+            <a:avLst/>
+          </a:prstGeom>
+          <a:ln>
+            <a:tailEnd type="triangle"/>
+          </a:ln>
+        </p:spPr>
+        <p:style>
+          <a:lnRef idx="1">
+            <a:schemeClr val="accent1"/>
+          </a:lnRef>
+          <a:fillRef idx="0">
+            <a:schemeClr val="accent1"/>
+          </a:fillRef>
+          <a:effectRef idx="0">
+            <a:schemeClr val="accent1"/>
+          </a:effectRef>
+          <a:fontRef idx="minor">
+            <a:schemeClr val="tx1"/>
+          </a:fontRef>
+        </p:style>
+      </p:cxnSp>
+      <p:cxnSp>
+        <p:nvCxnSpPr>
+          <p:cNvPr id="2052" name="Elbow Connector 2051"/>
+          <p:cNvCxnSpPr>
+            <a:endCxn id="19" idx="0"/>
+          </p:cNvCxnSpPr>
+          <p:nvPr/>
+        </p:nvCxnSpPr>
+        <p:spPr>
+          <a:xfrm rot="10800000" flipV="1">
+            <a:off x="2339752" y="628336"/>
+            <a:ext cx="2664296" cy="485953"/>
+          </a:xfrm>
+          <a:prstGeom prst="bentConnector2">
+            <a:avLst/>
+          </a:prstGeom>
+          <a:ln>
+            <a:tailEnd type="triangle"/>
+          </a:ln>
+        </p:spPr>
+        <p:style>
+          <a:lnRef idx="1">
+            <a:schemeClr val="accent1"/>
+          </a:lnRef>
+          <a:fillRef idx="0">
+            <a:schemeClr val="accent1"/>
+          </a:fillRef>
+          <a:effectRef idx="0">
+            <a:schemeClr val="accent1"/>
+          </a:effectRef>
+          <a:fontRef idx="minor">
+            <a:schemeClr val="tx1"/>
+          </a:fontRef>
+        </p:style>
+      </p:cxnSp>
+      <p:sp>
+        <p:nvSpPr>
+          <p:cNvPr id="44" name="Rounded Rectangle 43"/>
+          <p:cNvSpPr/>
+          <p:nvPr/>
+        </p:nvSpPr>
+        <p:spPr>
+          <a:xfrm>
+            <a:off x="5796136" y="1118313"/>
+            <a:ext cx="1008112" cy="216024"/>
+          </a:xfrm>
+          <a:prstGeom prst="roundRect">
+            <a:avLst/>
+          </a:prstGeom>
+        </p:spPr>
+        <p:style>
+          <a:lnRef idx="2">
+            <a:schemeClr val="accent1">
+              <a:shade val="50000"/>
+            </a:schemeClr>
+          </a:lnRef>
+          <a:fillRef idx="1">
+            <a:schemeClr val="accent1"/>
+          </a:fillRef>
+          <a:effectRef idx="0">
+            <a:schemeClr val="accent1"/>
+          </a:effectRef>
+          <a:fontRef idx="minor">
+            <a:schemeClr val="lt1"/>
+          </a:fontRef>
+        </p:style>
+        <p:txBody>
+          <a:bodyPr rtlCol="0" anchor="ctr"/>
+          <a:lstStyle/>
+          <a:p>
+            <a:pPr algn="ctr"/>
+            <a:r>
+              <a:rPr lang="zh-CN" altLang="en-US" sz="1000" dirty="0"/>
+              <a:t>关</a:t>
+            </a:r>
+            <a:r>
+              <a:rPr lang="zh-CN" altLang="en-US" sz="1000" dirty="0" smtClean="0"/>
+              <a:t>于我们</a:t>
+            </a:r>
+            <a:endParaRPr lang="en-US" sz="1000" dirty="0"/>
+          </a:p>
+        </p:txBody>
+      </p:sp>
+      <p:cxnSp>
+        <p:nvCxnSpPr>
+          <p:cNvPr id="2056" name="Elbow Connector 2055"/>
+          <p:cNvCxnSpPr>
+            <a:endCxn id="20" idx="0"/>
+          </p:cNvCxnSpPr>
+          <p:nvPr/>
+        </p:nvCxnSpPr>
+        <p:spPr>
+          <a:xfrm rot="10800000" flipV="1">
+            <a:off x="3995936" y="737002"/>
+            <a:ext cx="1656184" cy="377287"/>
+          </a:xfrm>
+          <a:prstGeom prst="bentConnector2">
+            <a:avLst/>
+          </a:prstGeom>
+          <a:ln>
+            <a:tailEnd type="triangle"/>
+          </a:ln>
+        </p:spPr>
+        <p:style>
+          <a:lnRef idx="1">
+            <a:schemeClr val="accent1"/>
+          </a:lnRef>
+          <a:fillRef idx="0">
+            <a:schemeClr val="accent1"/>
+          </a:fillRef>
+          <a:effectRef idx="0">
+            <a:schemeClr val="accent1"/>
+          </a:effectRef>
+          <a:fontRef idx="minor">
+            <a:schemeClr val="tx1"/>
+          </a:fontRef>
+        </p:style>
+      </p:cxnSp>
+      <p:cxnSp>
+        <p:nvCxnSpPr>
+          <p:cNvPr id="2059" name="Elbow Connector 2058"/>
+          <p:cNvCxnSpPr>
+            <a:endCxn id="44" idx="0"/>
+          </p:cNvCxnSpPr>
+          <p:nvPr/>
+        </p:nvCxnSpPr>
+        <p:spPr>
+          <a:xfrm rot="5400000">
+            <a:off x="6116400" y="718497"/>
+            <a:ext cx="583608" cy="216024"/>
+          </a:xfrm>
+          <a:prstGeom prst="bentConnector3">
+            <a:avLst/>
+          </a:prstGeom>
+          <a:ln>
+            <a:tailEnd type="triangle"/>
+          </a:ln>
+        </p:spPr>
+        <p:style>
+          <a:lnRef idx="1">
+            <a:schemeClr val="accent1"/>
+          </a:lnRef>
+          <a:fillRef idx="0">
+            <a:schemeClr val="accent1"/>
+          </a:fillRef>
+          <a:effectRef idx="0">
+            <a:schemeClr val="accent1"/>
+          </a:effectRef>
+          <a:fontRef idx="minor">
+            <a:schemeClr val="tx1"/>
+          </a:fontRef>
+        </p:style>
+      </p:cxnSp>
     </p:spTree>
     <p:extLst>
       <p:ext uri="{BB962C8B-B14F-4D97-AF65-F5344CB8AC3E}">
@@ -9936,8 +10775,24 @@
           <a:lstStyle/>
           <a:p>
             <a:r>
+              <a:rPr lang="zh-CN" altLang="en-US" sz="1400" dirty="0"/>
+              <a:t>方</a:t>
+            </a:r>
+            <a:r>
               <a:rPr lang="zh-CN" altLang="en-US" sz="1400" dirty="0" smtClean="0"/>
-              <a:t>方美是专注于向珠三角地区提供解决方案、</a:t>
+              <a:t>田时代</a:t>
+            </a:r>
+            <a:r>
+              <a:rPr lang="zh-CN" altLang="en-US" sz="1400" dirty="0" smtClean="0"/>
+              <a:t>是</a:t>
+            </a:r>
+            <a:r>
+              <a:rPr lang="zh-CN" altLang="en-US" sz="1400" dirty="0" smtClean="0"/>
+              <a:t>专注于</a:t>
+            </a:r>
+            <a:r>
+              <a:rPr lang="zh-CN" altLang="en-US" sz="1400" dirty="0" smtClean="0"/>
+              <a:t>向中小企业提供</a:t>
             </a:r>
             <a:r>
               <a:rPr lang="en-US" altLang="zh-CN" sz="1400" dirty="0" smtClean="0"/>
@@ -9945,7 +10800,19 @@
             </a:r>
             <a:r>
               <a:rPr lang="zh-CN" altLang="en-US" sz="1400" dirty="0" smtClean="0"/>
-              <a:t>外包和系统集成服务的供应商，</a:t>
+              <a:t>解</a:t>
+            </a:r>
+            <a:r>
+              <a:rPr lang="zh-CN" altLang="en-US" sz="1400" dirty="0" smtClean="0"/>
+              <a:t>决方案</a:t>
+            </a:r>
+            <a:r>
+              <a:rPr lang="zh-CN" altLang="en-US" sz="1400" dirty="0" smtClean="0"/>
+              <a:t>、外</a:t>
+            </a:r>
+            <a:r>
+              <a:rPr lang="zh-CN" altLang="en-US" sz="1400" dirty="0" smtClean="0"/>
+              <a:t>包和系统集成服务的供应商，</a:t>
             </a:r>
             <a:endParaRPr lang="en-US" altLang="zh-CN" sz="1400" dirty="0" smtClean="0"/>
           </a:p>
@@ -9959,7 +10826,23 @@
           <a:p>
             <a:r>
               <a:rPr lang="zh-CN" altLang="en-US" sz="1400" dirty="0" smtClean="0"/>
-              <a:t>技术员外派等全方位的服务能力。</a:t>
+              <a:t>技术员外派</a:t>
+            </a:r>
+            <a:r>
+              <a:rPr lang="zh-CN" altLang="en-US" sz="1400" dirty="0" smtClean="0"/>
+              <a:t>等</a:t>
+            </a:r>
+            <a:r>
+              <a:rPr lang="zh-CN" altLang="en-US" sz="1400" dirty="0" smtClean="0"/>
+              <a:t>各方面</a:t>
+            </a:r>
+            <a:r>
+              <a:rPr lang="zh-CN" altLang="en-US" sz="1400" dirty="0" smtClean="0"/>
+              <a:t>的</a:t>
+            </a:r>
+            <a:r>
+              <a:rPr lang="zh-CN" altLang="en-US" sz="1400" dirty="0" smtClean="0"/>
+              <a:t>服务能力。</a:t>
             </a:r>
             <a:endParaRPr lang="zh-CN" altLang="en-US" sz="1400" dirty="0"/>
           </a:p>
